--- a/Presentation/PPT/Presentation 2.pptx
+++ b/Presentation/PPT/Presentation 2.pptx
@@ -7,6 +7,13 @@
   <p:sldIdLst>
     <p:sldId id="256" r:id="rId2"/>
     <p:sldId id="257" r:id="rId3"/>
+    <p:sldId id="259" r:id="rId4"/>
+    <p:sldId id="258" r:id="rId5"/>
+    <p:sldId id="260" r:id="rId6"/>
+    <p:sldId id="261" r:id="rId7"/>
+    <p:sldId id="262" r:id="rId8"/>
+    <p:sldId id="263" r:id="rId9"/>
+    <p:sldId id="264" r:id="rId10"/>
   </p:sldIdLst>
   <p:sldSz cx="12192000" cy="6858000"/>
   <p:notesSz cx="6858000" cy="9144000"/>
@@ -287,7 +294,7 @@
             <a:fld id="{87DE6118-2437-4B30-8E3C-4D2BE6020583}" type="datetimeFigureOut">
               <a:rPr lang="en-US" dirty="0"/>
               <a:pPr/>
-              <a:t>8/6/2017</a:t>
+              <a:t>8/9/2017</a:t>
             </a:fld>
             <a:endParaRPr lang="en-US" dirty="0"/>
           </a:p>
@@ -613,7 +620,7 @@
           <a:p>
             <a:fld id="{87DE6118-2437-4B30-8E3C-4D2BE6020583}" type="datetimeFigureOut">
               <a:rPr lang="en-US" dirty="0"/>
-              <a:t>8/6/2017</a:t>
+              <a:t>8/9/2017</a:t>
             </a:fld>
             <a:endParaRPr lang="en-US" dirty="0"/>
           </a:p>
@@ -788,7 +795,7 @@
           <a:p>
             <a:fld id="{87DE6118-2437-4B30-8E3C-4D2BE6020583}" type="datetimeFigureOut">
               <a:rPr lang="en-US" dirty="0"/>
-              <a:t>8/6/2017</a:t>
+              <a:t>8/9/2017</a:t>
             </a:fld>
             <a:endParaRPr lang="en-US" dirty="0"/>
           </a:p>
@@ -953,7 +960,7 @@
           <a:p>
             <a:fld id="{87DE6118-2437-4B30-8E3C-4D2BE6020583}" type="datetimeFigureOut">
               <a:rPr lang="en-US" dirty="0"/>
-              <a:t>8/6/2017</a:t>
+              <a:t>8/9/2017</a:t>
             </a:fld>
             <a:endParaRPr lang="en-US" dirty="0"/>
           </a:p>
@@ -1226,7 +1233,7 @@
             <a:fld id="{87DE6118-2437-4B30-8E3C-4D2BE6020583}" type="datetimeFigureOut">
               <a:rPr lang="en-US" dirty="0"/>
               <a:pPr/>
-              <a:t>8/6/2017</a:t>
+              <a:t>8/9/2017</a:t>
             </a:fld>
             <a:endParaRPr lang="en-US" dirty="0"/>
           </a:p>
@@ -1616,7 +1623,7 @@
           <a:p>
             <a:fld id="{87DE6118-2437-4B30-8E3C-4D2BE6020583}" type="datetimeFigureOut">
               <a:rPr lang="en-US" dirty="0"/>
-              <a:t>8/6/2017</a:t>
+              <a:t>8/9/2017</a:t>
             </a:fld>
             <a:endParaRPr lang="en-US" dirty="0"/>
           </a:p>
@@ -2088,7 +2095,7 @@
           <a:p>
             <a:fld id="{87DE6118-2437-4B30-8E3C-4D2BE6020583}" type="datetimeFigureOut">
               <a:rPr lang="en-US" dirty="0"/>
-              <a:t>8/6/2017</a:t>
+              <a:t>8/9/2017</a:t>
             </a:fld>
             <a:endParaRPr lang="en-US" dirty="0"/>
           </a:p>
@@ -2201,7 +2208,7 @@
           <a:p>
             <a:fld id="{87DE6118-2437-4B30-8E3C-4D2BE6020583}" type="datetimeFigureOut">
               <a:rPr lang="en-US" dirty="0"/>
-              <a:t>8/6/2017</a:t>
+              <a:t>8/9/2017</a:t>
             </a:fld>
             <a:endParaRPr lang="en-US" dirty="0"/>
           </a:p>
@@ -2291,7 +2298,7 @@
           <a:p>
             <a:fld id="{87DE6118-2437-4B30-8E3C-4D2BE6020583}" type="datetimeFigureOut">
               <a:rPr lang="en-US" dirty="0"/>
-              <a:t>8/6/2017</a:t>
+              <a:t>8/9/2017</a:t>
             </a:fld>
             <a:endParaRPr lang="en-US" dirty="0"/>
           </a:p>
@@ -2633,7 +2640,7 @@
             <a:fld id="{87DE6118-2437-4B30-8E3C-4D2BE6020583}" type="datetimeFigureOut">
               <a:rPr lang="en-US" dirty="0"/>
               <a:pPr/>
-              <a:t>8/6/2017</a:t>
+              <a:t>8/9/2017</a:t>
             </a:fld>
             <a:endParaRPr lang="en-US" dirty="0"/>
           </a:p>
@@ -3018,7 +3025,7 @@
             <a:fld id="{87DE6118-2437-4B30-8E3C-4D2BE6020583}" type="datetimeFigureOut">
               <a:rPr lang="en-US" dirty="0"/>
               <a:pPr/>
-              <a:t>8/6/2017</a:t>
+              <a:t>8/9/2017</a:t>
             </a:fld>
             <a:endParaRPr lang="en-US" dirty="0"/>
           </a:p>
@@ -3293,7 +3300,7 @@
             <a:fld id="{87DE6118-2437-4B30-8E3C-4D2BE6020583}" type="datetimeFigureOut">
               <a:rPr lang="en-US" dirty="0"/>
               <a:pPr/>
-              <a:t>8/6/2017</a:t>
+              <a:t>8/9/2017</a:t>
             </a:fld>
             <a:endParaRPr lang="en-US" dirty="0"/>
           </a:p>
@@ -3817,10 +3824,10 @@
           <a:lstStyle/>
           <a:p>
             <a:r>
-              <a:rPr lang="en-US" sz="8000" dirty="0"/>
+              <a:rPr lang="en-US" sz="8000" b="1" dirty="0"/>
               <a:t>DAYALEKTOR</a:t>
             </a:r>
-            <a:endParaRPr lang="en-PH" sz="8000" dirty="0"/>
+            <a:endParaRPr lang="en-PH" sz="8000" b="1" dirty="0"/>
           </a:p>
         </p:txBody>
       </p:sp>
@@ -3947,6 +3954,656 @@
     <p:extLst>
       <p:ext uri="{BB962C8B-B14F-4D97-AF65-F5344CB8AC3E}">
         <p14:creationId xmlns:p14="http://schemas.microsoft.com/office/powerpoint/2010/main" val="94319205"/>
+      </p:ext>
+    </p:extLst>
+  </p:cSld>
+  <p:clrMapOvr>
+    <a:masterClrMapping/>
+  </p:clrMapOvr>
+</p:sld>
+</file>
+
+<file path=ppt/slides/slide3.xml><?xml version="1.0" encoding="utf-8"?>
+<p:sld xmlns:a="http://schemas.openxmlformats.org/drawingml/2006/main" xmlns:r="http://schemas.openxmlformats.org/officeDocument/2006/relationships" xmlns:p="http://schemas.openxmlformats.org/presentationml/2006/main">
+  <p:cSld>
+    <p:spTree>
+      <p:nvGrpSpPr>
+        <p:cNvPr id="1" name=""/>
+        <p:cNvGrpSpPr/>
+        <p:nvPr/>
+      </p:nvGrpSpPr>
+      <p:grpSpPr>
+        <a:xfrm>
+          <a:off x="0" y="0"/>
+          <a:ext cx="0" cy="0"/>
+          <a:chOff x="0" y="0"/>
+          <a:chExt cx="0" cy="0"/>
+        </a:xfrm>
+      </p:grpSpPr>
+      <p:sp>
+        <p:nvSpPr>
+          <p:cNvPr id="2" name="Title 1"/>
+          <p:cNvSpPr>
+            <a:spLocks noGrp="1"/>
+          </p:cNvSpPr>
+          <p:nvPr>
+            <p:ph type="title"/>
+          </p:nvPr>
+        </p:nvSpPr>
+        <p:spPr/>
+        <p:txBody>
+          <a:bodyPr>
+            <a:normAutofit/>
+          </a:bodyPr>
+          <a:lstStyle/>
+          <a:p>
+            <a:r>
+              <a:rPr lang="en-PH" sz="7000" dirty="0"/>
+              <a:t>GENERAL COMPANY DESCRIPTION</a:t>
+            </a:r>
+          </a:p>
+        </p:txBody>
+      </p:sp>
+    </p:spTree>
+    <p:extLst>
+      <p:ext uri="{BB962C8B-B14F-4D97-AF65-F5344CB8AC3E}">
+        <p14:creationId xmlns:p14="http://schemas.microsoft.com/office/powerpoint/2010/main" val="3293956294"/>
+      </p:ext>
+    </p:extLst>
+  </p:cSld>
+  <p:clrMapOvr>
+    <a:masterClrMapping/>
+  </p:clrMapOvr>
+</p:sld>
+</file>
+
+<file path=ppt/slides/slide4.xml><?xml version="1.0" encoding="utf-8"?>
+<p:sld xmlns:a="http://schemas.openxmlformats.org/drawingml/2006/main" xmlns:r="http://schemas.openxmlformats.org/officeDocument/2006/relationships" xmlns:p="http://schemas.openxmlformats.org/presentationml/2006/main">
+  <p:cSld>
+    <p:spTree>
+      <p:nvGrpSpPr>
+        <p:cNvPr id="1" name=""/>
+        <p:cNvGrpSpPr/>
+        <p:nvPr/>
+      </p:nvGrpSpPr>
+      <p:grpSpPr>
+        <a:xfrm>
+          <a:off x="0" y="0"/>
+          <a:ext cx="0" cy="0"/>
+          <a:chOff x="0" y="0"/>
+          <a:chExt cx="0" cy="0"/>
+        </a:xfrm>
+      </p:grpSpPr>
+      <p:sp>
+        <p:nvSpPr>
+          <p:cNvPr id="2" name="Title 1"/>
+          <p:cNvSpPr>
+            <a:spLocks noGrp="1"/>
+          </p:cNvSpPr>
+          <p:nvPr>
+            <p:ph type="title"/>
+          </p:nvPr>
+        </p:nvSpPr>
+        <p:spPr/>
+        <p:txBody>
+          <a:bodyPr anchor="ctr">
+            <a:normAutofit/>
+          </a:bodyPr>
+          <a:lstStyle/>
+          <a:p>
+            <a:r>
+              <a:rPr lang="en-PH" sz="5000" dirty="0"/>
+              <a:t>Mission(s):</a:t>
+            </a:r>
+          </a:p>
+        </p:txBody>
+      </p:sp>
+      <p:sp>
+        <p:nvSpPr>
+          <p:cNvPr id="3" name="Content Placeholder 2"/>
+          <p:cNvSpPr>
+            <a:spLocks noGrp="1"/>
+          </p:cNvSpPr>
+          <p:nvPr>
+            <p:ph idx="1"/>
+          </p:nvPr>
+        </p:nvSpPr>
+        <p:spPr/>
+        <p:txBody>
+          <a:bodyPr>
+            <a:normAutofit/>
+          </a:bodyPr>
+          <a:lstStyle/>
+          <a:p>
+            <a:pPr algn="just"/>
+            <a:r>
+              <a:rPr lang="en-PH" sz="3000" dirty="0"/>
+              <a:t>To provide a tool that connects people to local Filipino users, bring them together, share, and create information.</a:t>
+            </a:r>
+          </a:p>
+          <a:p>
+            <a:pPr algn="just"/>
+            <a:r>
+              <a:rPr lang="en-PH" sz="3000" dirty="0"/>
+              <a:t>To improve communication and deliver information in multiple dialects.</a:t>
+            </a:r>
+          </a:p>
+        </p:txBody>
+      </p:sp>
+    </p:spTree>
+    <p:extLst>
+      <p:ext uri="{BB962C8B-B14F-4D97-AF65-F5344CB8AC3E}">
+        <p14:creationId xmlns:p14="http://schemas.microsoft.com/office/powerpoint/2010/main" val="3459464145"/>
+      </p:ext>
+    </p:extLst>
+  </p:cSld>
+  <p:clrMapOvr>
+    <a:masterClrMapping/>
+  </p:clrMapOvr>
+</p:sld>
+</file>
+
+<file path=ppt/slides/slide5.xml><?xml version="1.0" encoding="utf-8"?>
+<p:sld xmlns:a="http://schemas.openxmlformats.org/drawingml/2006/main" xmlns:r="http://schemas.openxmlformats.org/officeDocument/2006/relationships" xmlns:p="http://schemas.openxmlformats.org/presentationml/2006/main">
+  <p:cSld>
+    <p:spTree>
+      <p:nvGrpSpPr>
+        <p:cNvPr id="1" name=""/>
+        <p:cNvGrpSpPr/>
+        <p:nvPr/>
+      </p:nvGrpSpPr>
+      <p:grpSpPr>
+        <a:xfrm>
+          <a:off x="0" y="0"/>
+          <a:ext cx="0" cy="0"/>
+          <a:chOff x="0" y="0"/>
+          <a:chExt cx="0" cy="0"/>
+        </a:xfrm>
+      </p:grpSpPr>
+      <p:sp>
+        <p:nvSpPr>
+          <p:cNvPr id="2" name="Title 1"/>
+          <p:cNvSpPr>
+            <a:spLocks noGrp="1"/>
+          </p:cNvSpPr>
+          <p:nvPr>
+            <p:ph type="title"/>
+          </p:nvPr>
+        </p:nvSpPr>
+        <p:spPr/>
+        <p:txBody>
+          <a:bodyPr anchor="ctr">
+            <a:normAutofit/>
+          </a:bodyPr>
+          <a:lstStyle/>
+          <a:p>
+            <a:r>
+              <a:rPr lang="en-PH" sz="5000" dirty="0"/>
+              <a:t>Vision(s):</a:t>
+            </a:r>
+          </a:p>
+        </p:txBody>
+      </p:sp>
+      <p:sp>
+        <p:nvSpPr>
+          <p:cNvPr id="3" name="Content Placeholder 2"/>
+          <p:cNvSpPr>
+            <a:spLocks noGrp="1"/>
+          </p:cNvSpPr>
+          <p:nvPr>
+            <p:ph idx="1"/>
+          </p:nvPr>
+        </p:nvSpPr>
+        <p:spPr/>
+        <p:txBody>
+          <a:bodyPr>
+            <a:normAutofit/>
+          </a:bodyPr>
+          <a:lstStyle/>
+          <a:p>
+            <a:pPr algn="just"/>
+            <a:r>
+              <a:rPr lang="en-PH" sz="3000" dirty="0"/>
+              <a:t>To bring local dialects to life.</a:t>
+            </a:r>
+          </a:p>
+          <a:p>
+            <a:pPr algn="just"/>
+            <a:r>
+              <a:rPr lang="en-PH" sz="3000" dirty="0"/>
+              <a:t>To improve human interactions in the Philippines.</a:t>
+            </a:r>
+          </a:p>
+        </p:txBody>
+      </p:sp>
+    </p:spTree>
+    <p:extLst>
+      <p:ext uri="{BB962C8B-B14F-4D97-AF65-F5344CB8AC3E}">
+        <p14:creationId xmlns:p14="http://schemas.microsoft.com/office/powerpoint/2010/main" val="3930635785"/>
+      </p:ext>
+    </p:extLst>
+  </p:cSld>
+  <p:clrMapOvr>
+    <a:masterClrMapping/>
+  </p:clrMapOvr>
+</p:sld>
+</file>
+
+<file path=ppt/slides/slide6.xml><?xml version="1.0" encoding="utf-8"?>
+<p:sld xmlns:a="http://schemas.openxmlformats.org/drawingml/2006/main" xmlns:r="http://schemas.openxmlformats.org/officeDocument/2006/relationships" xmlns:p="http://schemas.openxmlformats.org/presentationml/2006/main">
+  <p:cSld>
+    <p:spTree>
+      <p:nvGrpSpPr>
+        <p:cNvPr id="1" name=""/>
+        <p:cNvGrpSpPr/>
+        <p:nvPr/>
+      </p:nvGrpSpPr>
+      <p:grpSpPr>
+        <a:xfrm>
+          <a:off x="0" y="0"/>
+          <a:ext cx="0" cy="0"/>
+          <a:chOff x="0" y="0"/>
+          <a:chExt cx="0" cy="0"/>
+        </a:xfrm>
+      </p:grpSpPr>
+      <p:sp>
+        <p:nvSpPr>
+          <p:cNvPr id="2" name="Title 1"/>
+          <p:cNvSpPr>
+            <a:spLocks noGrp="1"/>
+          </p:cNvSpPr>
+          <p:nvPr>
+            <p:ph type="title"/>
+          </p:nvPr>
+        </p:nvSpPr>
+        <p:spPr/>
+        <p:txBody>
+          <a:bodyPr anchor="ctr">
+            <a:normAutofit/>
+          </a:bodyPr>
+          <a:lstStyle/>
+          <a:p>
+            <a:r>
+              <a:rPr lang="en-PH" sz="5000" dirty="0"/>
+              <a:t>Goal(s):</a:t>
+            </a:r>
+          </a:p>
+        </p:txBody>
+      </p:sp>
+      <p:sp>
+        <p:nvSpPr>
+          <p:cNvPr id="3" name="Content Placeholder 2"/>
+          <p:cNvSpPr>
+            <a:spLocks noGrp="1"/>
+          </p:cNvSpPr>
+          <p:nvPr>
+            <p:ph idx="1"/>
+          </p:nvPr>
+        </p:nvSpPr>
+        <p:spPr/>
+        <p:txBody>
+          <a:bodyPr>
+            <a:normAutofit/>
+          </a:bodyPr>
+          <a:lstStyle/>
+          <a:p>
+            <a:pPr algn="just"/>
+            <a:r>
+              <a:rPr lang="en-PH" sz="3000" dirty="0"/>
+              <a:t>To be one of the most successful and trusted company in the Philippines.</a:t>
+            </a:r>
+          </a:p>
+        </p:txBody>
+      </p:sp>
+    </p:spTree>
+    <p:extLst>
+      <p:ext uri="{BB962C8B-B14F-4D97-AF65-F5344CB8AC3E}">
+        <p14:creationId xmlns:p14="http://schemas.microsoft.com/office/powerpoint/2010/main" val="2705279614"/>
+      </p:ext>
+    </p:extLst>
+  </p:cSld>
+  <p:clrMapOvr>
+    <a:masterClrMapping/>
+  </p:clrMapOvr>
+</p:sld>
+</file>
+
+<file path=ppt/slides/slide7.xml><?xml version="1.0" encoding="utf-8"?>
+<p:sld xmlns:a="http://schemas.openxmlformats.org/drawingml/2006/main" xmlns:r="http://schemas.openxmlformats.org/officeDocument/2006/relationships" xmlns:p="http://schemas.openxmlformats.org/presentationml/2006/main">
+  <p:cSld>
+    <p:spTree>
+      <p:nvGrpSpPr>
+        <p:cNvPr id="1" name=""/>
+        <p:cNvGrpSpPr/>
+        <p:nvPr/>
+      </p:nvGrpSpPr>
+      <p:grpSpPr>
+        <a:xfrm>
+          <a:off x="0" y="0"/>
+          <a:ext cx="0" cy="0"/>
+          <a:chOff x="0" y="0"/>
+          <a:chExt cx="0" cy="0"/>
+        </a:xfrm>
+      </p:grpSpPr>
+      <p:sp>
+        <p:nvSpPr>
+          <p:cNvPr id="2" name="Title 1"/>
+          <p:cNvSpPr>
+            <a:spLocks noGrp="1"/>
+          </p:cNvSpPr>
+          <p:nvPr>
+            <p:ph type="title"/>
+          </p:nvPr>
+        </p:nvSpPr>
+        <p:spPr/>
+        <p:txBody>
+          <a:bodyPr anchor="ctr">
+            <a:normAutofit/>
+          </a:bodyPr>
+          <a:lstStyle/>
+          <a:p>
+            <a:r>
+              <a:rPr lang="en-PH" sz="5000" dirty="0"/>
+              <a:t>Objective(s):</a:t>
+            </a:r>
+          </a:p>
+        </p:txBody>
+      </p:sp>
+      <p:sp>
+        <p:nvSpPr>
+          <p:cNvPr id="3" name="Content Placeholder 2"/>
+          <p:cNvSpPr>
+            <a:spLocks noGrp="1"/>
+          </p:cNvSpPr>
+          <p:nvPr>
+            <p:ph idx="1"/>
+          </p:nvPr>
+        </p:nvSpPr>
+        <p:spPr/>
+        <p:txBody>
+          <a:bodyPr>
+            <a:normAutofit/>
+          </a:bodyPr>
+          <a:lstStyle/>
+          <a:p>
+            <a:pPr algn="just"/>
+            <a:r>
+              <a:rPr lang="en-PH" sz="3000" dirty="0"/>
+              <a:t>To be able to help users in regard to language barriers and misunderstanding between foreign people or Filipino people.</a:t>
+            </a:r>
+          </a:p>
+          <a:p>
+            <a:pPr algn="just"/>
+            <a:r>
+              <a:rPr lang="en-PH" sz="3000" dirty="0"/>
+              <a:t>To let users be familiarized with Filipino dialects.</a:t>
+            </a:r>
+          </a:p>
+        </p:txBody>
+      </p:sp>
+    </p:spTree>
+    <p:extLst>
+      <p:ext uri="{BB962C8B-B14F-4D97-AF65-F5344CB8AC3E}">
+        <p14:creationId xmlns:p14="http://schemas.microsoft.com/office/powerpoint/2010/main" val="3651369646"/>
+      </p:ext>
+    </p:extLst>
+  </p:cSld>
+  <p:clrMapOvr>
+    <a:masterClrMapping/>
+  </p:clrMapOvr>
+</p:sld>
+</file>
+
+<file path=ppt/slides/slide8.xml><?xml version="1.0" encoding="utf-8"?>
+<p:sld xmlns:a="http://schemas.openxmlformats.org/drawingml/2006/main" xmlns:r="http://schemas.openxmlformats.org/officeDocument/2006/relationships" xmlns:p="http://schemas.openxmlformats.org/presentationml/2006/main">
+  <p:cSld>
+    <p:spTree>
+      <p:nvGrpSpPr>
+        <p:cNvPr id="1" name=""/>
+        <p:cNvGrpSpPr/>
+        <p:nvPr/>
+      </p:nvGrpSpPr>
+      <p:grpSpPr>
+        <a:xfrm>
+          <a:off x="0" y="0"/>
+          <a:ext cx="0" cy="0"/>
+          <a:chOff x="0" y="0"/>
+          <a:chExt cx="0" cy="0"/>
+        </a:xfrm>
+      </p:grpSpPr>
+      <p:sp>
+        <p:nvSpPr>
+          <p:cNvPr id="2" name="Title 1"/>
+          <p:cNvSpPr>
+            <a:spLocks noGrp="1"/>
+          </p:cNvSpPr>
+          <p:nvPr>
+            <p:ph type="title"/>
+          </p:nvPr>
+        </p:nvSpPr>
+        <p:spPr/>
+        <p:txBody>
+          <a:bodyPr>
+            <a:normAutofit/>
+          </a:bodyPr>
+          <a:lstStyle/>
+          <a:p>
+            <a:r>
+              <a:rPr lang="en-PH" sz="7000" dirty="0"/>
+              <a:t>PRODUCTS AND SERVICES</a:t>
+            </a:r>
+          </a:p>
+        </p:txBody>
+      </p:sp>
+    </p:spTree>
+    <p:extLst>
+      <p:ext uri="{BB962C8B-B14F-4D97-AF65-F5344CB8AC3E}">
+        <p14:creationId xmlns:p14="http://schemas.microsoft.com/office/powerpoint/2010/main" val="3018185270"/>
+      </p:ext>
+    </p:extLst>
+  </p:cSld>
+  <p:clrMapOvr>
+    <a:masterClrMapping/>
+  </p:clrMapOvr>
+</p:sld>
+</file>
+
+<file path=ppt/slides/slide9.xml><?xml version="1.0" encoding="utf-8"?>
+<p:sld xmlns:a="http://schemas.openxmlformats.org/drawingml/2006/main" xmlns:r="http://schemas.openxmlformats.org/officeDocument/2006/relationships" xmlns:p="http://schemas.openxmlformats.org/presentationml/2006/main">
+  <p:cSld>
+    <p:spTree>
+      <p:nvGrpSpPr>
+        <p:cNvPr id="1" name=""/>
+        <p:cNvGrpSpPr/>
+        <p:nvPr/>
+      </p:nvGrpSpPr>
+      <p:grpSpPr>
+        <a:xfrm>
+          <a:off x="0" y="0"/>
+          <a:ext cx="0" cy="0"/>
+          <a:chOff x="0" y="0"/>
+          <a:chExt cx="0" cy="0"/>
+        </a:xfrm>
+      </p:grpSpPr>
+      <p:sp>
+        <p:nvSpPr>
+          <p:cNvPr id="2" name="Title 1"/>
+          <p:cNvSpPr>
+            <a:spLocks noGrp="1"/>
+          </p:cNvSpPr>
+          <p:nvPr>
+            <p:ph type="title"/>
+          </p:nvPr>
+        </p:nvSpPr>
+        <p:spPr/>
+        <p:txBody>
+          <a:bodyPr anchor="ctr">
+            <a:normAutofit/>
+          </a:bodyPr>
+          <a:lstStyle/>
+          <a:p>
+            <a:r>
+              <a:rPr lang="en-PH" sz="5000" dirty="0" err="1"/>
+              <a:t>Dayalektor</a:t>
+            </a:r>
+            <a:r>
+              <a:rPr lang="en-PH" sz="5000" dirty="0"/>
+              <a:t> offers the following services:</a:t>
+            </a:r>
+          </a:p>
+        </p:txBody>
+      </p:sp>
+      <p:sp>
+        <p:nvSpPr>
+          <p:cNvPr id="4" name="Content Placeholder 3"/>
+          <p:cNvSpPr>
+            <a:spLocks noGrp="1"/>
+          </p:cNvSpPr>
+          <p:nvPr>
+            <p:ph sz="half" idx="1"/>
+          </p:nvPr>
+        </p:nvSpPr>
+        <p:spPr/>
+        <p:txBody>
+          <a:bodyPr/>
+          <a:lstStyle/>
+          <a:p>
+            <a:r>
+              <a:rPr lang="en-PH" dirty="0"/>
+              <a:t>Languages</a:t>
+            </a:r>
+          </a:p>
+          <a:p>
+            <a:pPr lvl="1">
+              <a:buFont typeface="Wingdings" panose="05000000000000000000" pitchFamily="2" charset="2"/>
+              <a:buChar char="ü"/>
+            </a:pPr>
+            <a:r>
+              <a:rPr lang="en-PH" i="0" dirty="0"/>
+              <a:t>English</a:t>
+            </a:r>
+          </a:p>
+          <a:p>
+            <a:pPr lvl="1">
+              <a:buFont typeface="Wingdings" panose="05000000000000000000" pitchFamily="2" charset="2"/>
+              <a:buChar char="ü"/>
+            </a:pPr>
+            <a:r>
+              <a:rPr lang="en-PH" i="0" dirty="0"/>
+              <a:t>Filipino</a:t>
+            </a:r>
+          </a:p>
+        </p:txBody>
+      </p:sp>
+      <p:sp>
+        <p:nvSpPr>
+          <p:cNvPr id="5" name="Content Placeholder 4"/>
+          <p:cNvSpPr>
+            <a:spLocks noGrp="1"/>
+          </p:cNvSpPr>
+          <p:nvPr>
+            <p:ph sz="half" idx="2"/>
+          </p:nvPr>
+        </p:nvSpPr>
+        <p:spPr/>
+        <p:txBody>
+          <a:bodyPr/>
+          <a:lstStyle/>
+          <a:p>
+            <a:r>
+              <a:rPr lang="en-PH" dirty="0"/>
+              <a:t>Dialects</a:t>
+            </a:r>
+          </a:p>
+          <a:p>
+            <a:pPr lvl="1">
+              <a:buFont typeface="Wingdings" panose="05000000000000000000" pitchFamily="2" charset="2"/>
+              <a:buChar char="ü"/>
+            </a:pPr>
+            <a:r>
+              <a:rPr lang="en-PH" i="0" dirty="0" err="1"/>
+              <a:t>Bikol</a:t>
+            </a:r>
+            <a:endParaRPr lang="en-PH" i="0" dirty="0"/>
+          </a:p>
+          <a:p>
+            <a:pPr lvl="1">
+              <a:buFont typeface="Wingdings" panose="05000000000000000000" pitchFamily="2" charset="2"/>
+              <a:buChar char="ü"/>
+            </a:pPr>
+            <a:r>
+              <a:rPr lang="en-PH" i="0" dirty="0"/>
+              <a:t>Cebuano</a:t>
+            </a:r>
+          </a:p>
+          <a:p>
+            <a:pPr lvl="1">
+              <a:buFont typeface="Wingdings" panose="05000000000000000000" pitchFamily="2" charset="2"/>
+              <a:buChar char="ü"/>
+            </a:pPr>
+            <a:r>
+              <a:rPr lang="en-PH" i="0" dirty="0"/>
+              <a:t>Hiligaynon (Ilonggo)</a:t>
+            </a:r>
+          </a:p>
+          <a:p>
+            <a:pPr lvl="1">
+              <a:buFont typeface="Wingdings" panose="05000000000000000000" pitchFamily="2" charset="2"/>
+              <a:buChar char="ü"/>
+            </a:pPr>
+            <a:r>
+              <a:rPr lang="en-PH" i="0" dirty="0"/>
+              <a:t>Ilocano</a:t>
+            </a:r>
+          </a:p>
+          <a:p>
+            <a:pPr lvl="1">
+              <a:buFont typeface="Wingdings" panose="05000000000000000000" pitchFamily="2" charset="2"/>
+              <a:buChar char="ü"/>
+            </a:pPr>
+            <a:r>
+              <a:rPr lang="en-PH" i="0" dirty="0"/>
+              <a:t>Kapampangan</a:t>
+            </a:r>
+          </a:p>
+          <a:p>
+            <a:pPr lvl="1">
+              <a:buFont typeface="Wingdings" panose="05000000000000000000" pitchFamily="2" charset="2"/>
+              <a:buChar char="ü"/>
+            </a:pPr>
+            <a:r>
+              <a:rPr lang="en-PH" i="0" dirty="0" err="1"/>
+              <a:t>Pangasinan</a:t>
+            </a:r>
+            <a:endParaRPr lang="en-PH" i="0" dirty="0"/>
+          </a:p>
+          <a:p>
+            <a:pPr lvl="1">
+              <a:buFont typeface="Wingdings" panose="05000000000000000000" pitchFamily="2" charset="2"/>
+              <a:buChar char="ü"/>
+            </a:pPr>
+            <a:r>
+              <a:rPr lang="en-PH" i="0" dirty="0"/>
+              <a:t>Tagalog</a:t>
+            </a:r>
+          </a:p>
+          <a:p>
+            <a:pPr lvl="1">
+              <a:buFont typeface="Wingdings" panose="05000000000000000000" pitchFamily="2" charset="2"/>
+              <a:buChar char="ü"/>
+            </a:pPr>
+            <a:r>
+              <a:rPr lang="en-PH" i="0" dirty="0" err="1"/>
+              <a:t>Waray</a:t>
+            </a:r>
+            <a:endParaRPr lang="en-PH" i="0" dirty="0"/>
+          </a:p>
+        </p:txBody>
+      </p:sp>
+    </p:spTree>
+    <p:extLst>
+      <p:ext uri="{BB962C8B-B14F-4D97-AF65-F5344CB8AC3E}">
+        <p14:creationId xmlns:p14="http://schemas.microsoft.com/office/powerpoint/2010/main" val="1436334827"/>
       </p:ext>
     </p:extLst>
   </p:cSld>

--- a/Presentation/PPT/Presentation 2.pptx
+++ b/Presentation/PPT/Presentation 2.pptx
@@ -4448,7 +4448,7 @@
             </a:r>
             <a:r>
               <a:rPr lang="en-PH" sz="5000" dirty="0"/>
-              <a:t> offers the following services:</a:t>
+              <a:t> translates the following:</a:t>
             </a:r>
           </a:p>
         </p:txBody>
@@ -4597,6 +4597,92 @@
               <a:t>Waray</a:t>
             </a:r>
             <a:endParaRPr lang="en-PH" i="0" dirty="0"/>
+          </a:p>
+        </p:txBody>
+      </p:sp>
+      <p:sp>
+        <p:nvSpPr>
+          <p:cNvPr id="3" name="Arrow: Right 2"/>
+          <p:cNvSpPr/>
+          <p:nvPr/>
+        </p:nvSpPr>
+        <p:spPr>
+          <a:xfrm>
+            <a:off x="4163248" y="2646222"/>
+            <a:ext cx="1995055" cy="401782"/>
+          </a:xfrm>
+          <a:prstGeom prst="rightArrow">
+            <a:avLst>
+              <a:gd name="adj1" fmla="val 50000"/>
+              <a:gd name="adj2" fmla="val 105172"/>
+            </a:avLst>
+          </a:prstGeom>
+        </p:spPr>
+        <p:style>
+          <a:lnRef idx="2">
+            <a:schemeClr val="accent1">
+              <a:shade val="50000"/>
+            </a:schemeClr>
+          </a:lnRef>
+          <a:fillRef idx="1">
+            <a:schemeClr val="accent1"/>
+          </a:fillRef>
+          <a:effectRef idx="0">
+            <a:schemeClr val="accent1"/>
+          </a:effectRef>
+          <a:fontRef idx="minor">
+            <a:schemeClr val="lt1"/>
+          </a:fontRef>
+        </p:style>
+        <p:txBody>
+          <a:bodyPr rtlCol="0" anchor="ctr"/>
+          <a:lstStyle/>
+          <a:p>
+            <a:pPr algn="ctr"/>
+            <a:endParaRPr lang="en-PH" dirty="0"/>
+          </a:p>
+        </p:txBody>
+      </p:sp>
+      <p:sp>
+        <p:nvSpPr>
+          <p:cNvPr id="6" name="Arrow: Right 5"/>
+          <p:cNvSpPr/>
+          <p:nvPr/>
+        </p:nvSpPr>
+        <p:spPr>
+          <a:xfrm rot="10800000">
+            <a:off x="4163247" y="3048004"/>
+            <a:ext cx="1995055" cy="401782"/>
+          </a:xfrm>
+          <a:prstGeom prst="rightArrow">
+            <a:avLst>
+              <a:gd name="adj1" fmla="val 50000"/>
+              <a:gd name="adj2" fmla="val 105172"/>
+            </a:avLst>
+          </a:prstGeom>
+        </p:spPr>
+        <p:style>
+          <a:lnRef idx="2">
+            <a:schemeClr val="accent1">
+              <a:shade val="50000"/>
+            </a:schemeClr>
+          </a:lnRef>
+          <a:fillRef idx="1">
+            <a:schemeClr val="accent1"/>
+          </a:fillRef>
+          <a:effectRef idx="0">
+            <a:schemeClr val="accent1"/>
+          </a:effectRef>
+          <a:fontRef idx="minor">
+            <a:schemeClr val="lt1"/>
+          </a:fontRef>
+        </p:style>
+        <p:txBody>
+          <a:bodyPr rtlCol="0" anchor="ctr"/>
+          <a:lstStyle/>
+          <a:p>
+            <a:pPr algn="ctr"/>
+            <a:endParaRPr lang="en-PH"/>
           </a:p>
         </p:txBody>
       </p:sp>

--- a/Presentation/PPT/Presentation 2.pptx
+++ b/Presentation/PPT/Presentation 2.pptx
@@ -33902,7 +33902,7 @@
       </p:pic>
       <p:pic>
         <p:nvPicPr>
-          <p:cNvPr id="8" name="Picture 7"/>
+          <p:cNvPr id="2" name="Picture 1"/>
           <p:cNvPicPr>
             <a:picLocks noChangeAspect="1"/>
           </p:cNvPicPr>
@@ -33917,7 +33917,7 @@
         <p:spPr>
           <a:xfrm>
             <a:off x="914194" y="4404230"/>
-            <a:ext cx="7190714" cy="2189017"/>
+            <a:ext cx="7190714" cy="1981200"/>
           </a:xfrm>
           <a:prstGeom prst="rect">
             <a:avLst/>
